--- a/slaidid.pptx
+++ b/slaidid.pptx
@@ -11520,7 +11520,7 @@
         </p:spPr>
         <p:txBody>
           <a:bodyPr>
-            <a:normAutofit fontScale="92500" lnSpcReduction="10000"/>
+            <a:normAutofit fontScale="85000" lnSpcReduction="20000"/>
           </a:bodyPr>
           <a:lstStyle/>
           <a:p>
@@ -11541,17 +11541,19 @@
             </a:r>
           </a:p>
           <a:p>
+            <a:pPr marL="0" indent="0">
+              <a:buNone/>
+            </a:pPr>
+            <a:r>
+              <a:rPr lang="et-EE" dirty="0">
+                <a:hlinkClick r:id="rId3"/>
+              </a:rPr>
+              <a:t>https://github.com/malrock/tyloeng051118</a:t>
+            </a:r>
+            <a:endParaRPr lang="et-EE" dirty="0"/>
+          </a:p>
+          <a:p>
             <a:pPr lvl="1"/>
-            <a:r>
-              <a:rPr lang="et-EE" dirty="0"/>
-              <a:t>https://github.com/.....</a:t>
-            </a:r>
-            <a:endParaRPr lang="en-GB" dirty="0"/>
-          </a:p>
-          <a:p>
-            <a:pPr marL="0" indent="0">
-              <a:buNone/>
-            </a:pPr>
             <a:endParaRPr lang="et-EE" dirty="0">
               <a:latin typeface="Proxima Nova Lt" pitchFamily="50" charset="-70"/>
             </a:endParaRPr>

--- a/slaidid.pptx
+++ b/slaidid.pptx
@@ -1487,7 +1487,7 @@
           <a:p>
             <a:fld id="{67599D6A-499A-48C0-9264-7EFA7537C769}" type="datetimeFigureOut">
               <a:rPr lang="en-GB" smtClean="0"/>
-              <a:t>05/11/2018</a:t>
+              <a:t>06/11/2018</a:t>
             </a:fld>
             <a:endParaRPr lang="en-GB"/>
           </a:p>
@@ -1936,7 +1936,7 @@
           <a:p>
             <a:fld id="{042FFD95-BCB4-433D-BE09-2D0225BEEC95}" type="datetimeFigureOut">
               <a:rPr lang="et-EE" smtClean="0"/>
-              <a:t>05.11.2018</a:t>
+              <a:t>06.11.2018</a:t>
             </a:fld>
             <a:endParaRPr lang="et-EE"/>
           </a:p>
@@ -2106,7 +2106,7 @@
           <a:p>
             <a:fld id="{042FFD95-BCB4-433D-BE09-2D0225BEEC95}" type="datetimeFigureOut">
               <a:rPr lang="et-EE" smtClean="0"/>
-              <a:t>05.11.2018</a:t>
+              <a:t>06.11.2018</a:t>
             </a:fld>
             <a:endParaRPr lang="et-EE"/>
           </a:p>
@@ -2286,7 +2286,7 @@
           <a:p>
             <a:fld id="{042FFD95-BCB4-433D-BE09-2D0225BEEC95}" type="datetimeFigureOut">
               <a:rPr lang="et-EE" smtClean="0"/>
-              <a:t>05.11.2018</a:t>
+              <a:t>06.11.2018</a:t>
             </a:fld>
             <a:endParaRPr lang="et-EE"/>
           </a:p>
@@ -2831,7 +2831,7 @@
           <a:p>
             <a:fld id="{AA020D06-BF5C-4579-A98A-072669A3D53E}" type="datetimeFigureOut">
               <a:rPr lang="en-GB" smtClean="0"/>
-              <a:t>05/11/2018</a:t>
+              <a:t>06/11/2018</a:t>
             </a:fld>
             <a:endParaRPr lang="en-GB"/>
           </a:p>
@@ -3001,7 +3001,7 @@
           <a:p>
             <a:fld id="{042FFD95-BCB4-433D-BE09-2D0225BEEC95}" type="datetimeFigureOut">
               <a:rPr lang="et-EE" smtClean="0"/>
-              <a:t>05.11.2018</a:t>
+              <a:t>06.11.2018</a:t>
             </a:fld>
             <a:endParaRPr lang="et-EE"/>
           </a:p>
@@ -3247,7 +3247,7 @@
           <a:p>
             <a:fld id="{042FFD95-BCB4-433D-BE09-2D0225BEEC95}" type="datetimeFigureOut">
               <a:rPr lang="et-EE" smtClean="0"/>
-              <a:t>05.11.2018</a:t>
+              <a:t>06.11.2018</a:t>
             </a:fld>
             <a:endParaRPr lang="et-EE"/>
           </a:p>
@@ -3535,7 +3535,7 @@
           <a:p>
             <a:fld id="{042FFD95-BCB4-433D-BE09-2D0225BEEC95}" type="datetimeFigureOut">
               <a:rPr lang="et-EE" smtClean="0"/>
-              <a:t>05.11.2018</a:t>
+              <a:t>06.11.2018</a:t>
             </a:fld>
             <a:endParaRPr lang="et-EE"/>
           </a:p>
@@ -3957,7 +3957,7 @@
           <a:p>
             <a:fld id="{042FFD95-BCB4-433D-BE09-2D0225BEEC95}" type="datetimeFigureOut">
               <a:rPr lang="et-EE" smtClean="0"/>
-              <a:t>05.11.2018</a:t>
+              <a:t>06.11.2018</a:t>
             </a:fld>
             <a:endParaRPr lang="et-EE"/>
           </a:p>
@@ -4075,7 +4075,7 @@
           <a:p>
             <a:fld id="{042FFD95-BCB4-433D-BE09-2D0225BEEC95}" type="datetimeFigureOut">
               <a:rPr lang="et-EE" smtClean="0"/>
-              <a:t>05.11.2018</a:t>
+              <a:t>06.11.2018</a:t>
             </a:fld>
             <a:endParaRPr lang="et-EE"/>
           </a:p>
@@ -4170,7 +4170,7 @@
           <a:p>
             <a:fld id="{042FFD95-BCB4-433D-BE09-2D0225BEEC95}" type="datetimeFigureOut">
               <a:rPr lang="et-EE" smtClean="0"/>
-              <a:t>05.11.2018</a:t>
+              <a:t>06.11.2018</a:t>
             </a:fld>
             <a:endParaRPr lang="et-EE"/>
           </a:p>
@@ -4447,7 +4447,7 @@
           <a:p>
             <a:fld id="{042FFD95-BCB4-433D-BE09-2D0225BEEC95}" type="datetimeFigureOut">
               <a:rPr lang="et-EE" smtClean="0"/>
-              <a:t>05.11.2018</a:t>
+              <a:t>06.11.2018</a:t>
             </a:fld>
             <a:endParaRPr lang="et-EE"/>
           </a:p>
@@ -4700,7 +4700,7 @@
           <a:p>
             <a:fld id="{042FFD95-BCB4-433D-BE09-2D0225BEEC95}" type="datetimeFigureOut">
               <a:rPr lang="et-EE" smtClean="0"/>
-              <a:t>05.11.2018</a:t>
+              <a:t>06.11.2018</a:t>
             </a:fld>
             <a:endParaRPr lang="et-EE"/>
           </a:p>
@@ -4913,7 +4913,7 @@
           <a:p>
             <a:fld id="{042FFD95-BCB4-433D-BE09-2D0225BEEC95}" type="datetimeFigureOut">
               <a:rPr lang="et-EE" smtClean="0"/>
-              <a:t>05.11.2018</a:t>
+              <a:t>06.11.2018</a:t>
             </a:fld>
             <a:endParaRPr lang="et-EE"/>
           </a:p>
@@ -5400,6 +5400,43 @@
               </a:rPr>
               <a:t>05.11.2018</a:t>
             </a:r>
+          </a:p>
+        </p:txBody>
+      </p:sp>
+      <p:sp>
+        <p:nvSpPr>
+          <p:cNvPr id="4" name="Rectangle 3">
+            <a:extLst>
+              <a:ext uri="{FF2B5EF4-FFF2-40B4-BE49-F238E27FC236}">
+                <a16:creationId xmlns:a16="http://schemas.microsoft.com/office/drawing/2014/main" id="{07B75649-1768-42C2-A37F-6A06A3469C0F}"/>
+              </a:ext>
+            </a:extLst>
+          </p:cNvPr>
+          <p:cNvSpPr/>
+          <p:nvPr/>
+        </p:nvSpPr>
+        <p:spPr>
+          <a:xfrm>
+            <a:off x="6723726" y="6384931"/>
+            <a:ext cx="5180072" cy="369332"/>
+          </a:xfrm>
+          <a:prstGeom prst="rect">
+            <a:avLst/>
+          </a:prstGeom>
+        </p:spPr>
+        <p:txBody>
+          <a:bodyPr wrap="none">
+            <a:spAutoFit/>
+          </a:bodyPr>
+          <a:lstStyle/>
+          <a:p>
+            <a:r>
+              <a:rPr lang="en-GB" dirty="0">
+                <a:hlinkClick r:id="rId3"/>
+              </a:rPr>
+              <a:t>https://ee.linkedin.com/in/andrius-lokotaš-b95a4459</a:t>
+            </a:r>
+            <a:endParaRPr lang="en-GB" dirty="0"/>
           </a:p>
         </p:txBody>
       </p:sp>
